--- a/Coasters.pptx
+++ b/Coasters.pptx
@@ -105,6 +105,22 @@
       </a:defRPr>
     </a:lvl9pPr>
   </p:defaultTextStyle>
+  <p:extLst>
+    <p:ext uri="{EFAFB233-063F-42B5-8137-9DF3F51BA10A}">
+      <p15:sldGuideLst xmlns:p15="http://schemas.microsoft.com/office/powerpoint/2012/main">
+        <p15:guide id="1" orient="horz" pos="2160">
+          <p15:clr>
+            <a:srgbClr val="A4A3A4"/>
+          </p15:clr>
+        </p15:guide>
+        <p15:guide id="2" pos="2880">
+          <p15:clr>
+            <a:srgbClr val="A4A3A4"/>
+          </p15:clr>
+        </p15:guide>
+      </p15:sldGuideLst>
+    </p:ext>
+  </p:extLst>
 </p:presentation>
 </file>
 
@@ -146,10 +162,9 @@
           <a:lstStyle/>
           <a:p>
             <a:r>
-              <a:rPr lang="ru-RU" smtClean="0"/>
+              <a:rPr lang="ru-RU"/>
               <a:t>Образец заголовка</a:t>
             </a:r>
-            <a:endParaRPr lang="ru-RU"/>
           </a:p>
         </p:txBody>
       </p:sp>
@@ -265,10 +280,9 @@
           </a:lstStyle>
           <a:p>
             <a:r>
-              <a:rPr lang="ru-RU" smtClean="0"/>
+              <a:rPr lang="ru-RU"/>
               <a:t>Образец подзаголовка</a:t>
             </a:r>
-            <a:endParaRPr lang="ru-RU"/>
           </a:p>
         </p:txBody>
       </p:sp>
@@ -289,7 +303,7 @@
           <a:p>
             <a:fld id="{B4C71EC6-210F-42DE-9C53-41977AD35B3D}" type="datetimeFigureOut">
               <a:rPr lang="ru-RU" smtClean="0"/>
-              <a:t>29.08.2018</a:t>
+              <a:t>09.11.2018</a:t>
             </a:fld>
             <a:endParaRPr lang="ru-RU"/>
           </a:p>
@@ -378,10 +392,9 @@
           <a:lstStyle/>
           <a:p>
             <a:r>
-              <a:rPr lang="ru-RU" smtClean="0"/>
+              <a:rPr lang="ru-RU"/>
               <a:t>Образец заголовка</a:t>
             </a:r>
-            <a:endParaRPr lang="ru-RU"/>
           </a:p>
         </p:txBody>
       </p:sp>
@@ -402,38 +415,37 @@
           <a:p>
             <a:pPr lvl="0"/>
             <a:r>
-              <a:rPr lang="ru-RU" smtClean="0"/>
+              <a:rPr lang="ru-RU"/>
               <a:t>Образец текста</a:t>
             </a:r>
           </a:p>
           <a:p>
             <a:pPr lvl="1"/>
             <a:r>
-              <a:rPr lang="ru-RU" smtClean="0"/>
+              <a:rPr lang="ru-RU"/>
               <a:t>Второй уровень</a:t>
             </a:r>
           </a:p>
           <a:p>
             <a:pPr lvl="2"/>
             <a:r>
-              <a:rPr lang="ru-RU" smtClean="0"/>
+              <a:rPr lang="ru-RU"/>
               <a:t>Третий уровень</a:t>
             </a:r>
           </a:p>
           <a:p>
             <a:pPr lvl="3"/>
             <a:r>
-              <a:rPr lang="ru-RU" smtClean="0"/>
+              <a:rPr lang="ru-RU"/>
               <a:t>Четвертый уровень</a:t>
             </a:r>
           </a:p>
           <a:p>
             <a:pPr lvl="4"/>
             <a:r>
-              <a:rPr lang="ru-RU" smtClean="0"/>
+              <a:rPr lang="ru-RU"/>
               <a:t>Пятый уровень</a:t>
             </a:r>
-            <a:endParaRPr lang="ru-RU"/>
           </a:p>
         </p:txBody>
       </p:sp>
@@ -454,7 +466,7 @@
           <a:p>
             <a:fld id="{B4C71EC6-210F-42DE-9C53-41977AD35B3D}" type="datetimeFigureOut">
               <a:rPr lang="ru-RU" smtClean="0"/>
-              <a:t>29.08.2018</a:t>
+              <a:t>09.11.2018</a:t>
             </a:fld>
             <a:endParaRPr lang="ru-RU"/>
           </a:p>
@@ -548,10 +560,9 @@
           <a:lstStyle/>
           <a:p>
             <a:r>
-              <a:rPr lang="ru-RU" smtClean="0"/>
+              <a:rPr lang="ru-RU"/>
               <a:t>Образец заголовка</a:t>
             </a:r>
-            <a:endParaRPr lang="ru-RU"/>
           </a:p>
         </p:txBody>
       </p:sp>
@@ -577,38 +588,37 @@
           <a:p>
             <a:pPr lvl="0"/>
             <a:r>
-              <a:rPr lang="ru-RU" smtClean="0"/>
+              <a:rPr lang="ru-RU"/>
               <a:t>Образец текста</a:t>
             </a:r>
           </a:p>
           <a:p>
             <a:pPr lvl="1"/>
             <a:r>
-              <a:rPr lang="ru-RU" smtClean="0"/>
+              <a:rPr lang="ru-RU"/>
               <a:t>Второй уровень</a:t>
             </a:r>
           </a:p>
           <a:p>
             <a:pPr lvl="2"/>
             <a:r>
-              <a:rPr lang="ru-RU" smtClean="0"/>
+              <a:rPr lang="ru-RU"/>
               <a:t>Третий уровень</a:t>
             </a:r>
           </a:p>
           <a:p>
             <a:pPr lvl="3"/>
             <a:r>
-              <a:rPr lang="ru-RU" smtClean="0"/>
+              <a:rPr lang="ru-RU"/>
               <a:t>Четвертый уровень</a:t>
             </a:r>
           </a:p>
           <a:p>
             <a:pPr lvl="4"/>
             <a:r>
-              <a:rPr lang="ru-RU" smtClean="0"/>
+              <a:rPr lang="ru-RU"/>
               <a:t>Пятый уровень</a:t>
             </a:r>
-            <a:endParaRPr lang="ru-RU"/>
           </a:p>
         </p:txBody>
       </p:sp>
@@ -629,7 +639,7 @@
           <a:p>
             <a:fld id="{B4C71EC6-210F-42DE-9C53-41977AD35B3D}" type="datetimeFigureOut">
               <a:rPr lang="ru-RU" smtClean="0"/>
-              <a:t>29.08.2018</a:t>
+              <a:t>09.11.2018</a:t>
             </a:fld>
             <a:endParaRPr lang="ru-RU"/>
           </a:p>
@@ -718,10 +728,9 @@
           <a:lstStyle/>
           <a:p>
             <a:r>
-              <a:rPr lang="ru-RU" smtClean="0"/>
+              <a:rPr lang="ru-RU"/>
               <a:t>Образец заголовка</a:t>
             </a:r>
-            <a:endParaRPr lang="ru-RU"/>
           </a:p>
         </p:txBody>
       </p:sp>
@@ -742,38 +751,37 @@
           <a:p>
             <a:pPr lvl="0"/>
             <a:r>
-              <a:rPr lang="ru-RU" smtClean="0"/>
+              <a:rPr lang="ru-RU"/>
               <a:t>Образец текста</a:t>
             </a:r>
           </a:p>
           <a:p>
             <a:pPr lvl="1"/>
             <a:r>
-              <a:rPr lang="ru-RU" smtClean="0"/>
+              <a:rPr lang="ru-RU"/>
               <a:t>Второй уровень</a:t>
             </a:r>
           </a:p>
           <a:p>
             <a:pPr lvl="2"/>
             <a:r>
-              <a:rPr lang="ru-RU" smtClean="0"/>
+              <a:rPr lang="ru-RU"/>
               <a:t>Третий уровень</a:t>
             </a:r>
           </a:p>
           <a:p>
             <a:pPr lvl="3"/>
             <a:r>
-              <a:rPr lang="ru-RU" smtClean="0"/>
+              <a:rPr lang="ru-RU"/>
               <a:t>Четвертый уровень</a:t>
             </a:r>
           </a:p>
           <a:p>
             <a:pPr lvl="4"/>
             <a:r>
-              <a:rPr lang="ru-RU" smtClean="0"/>
+              <a:rPr lang="ru-RU"/>
               <a:t>Пятый уровень</a:t>
             </a:r>
-            <a:endParaRPr lang="ru-RU"/>
           </a:p>
         </p:txBody>
       </p:sp>
@@ -794,7 +802,7 @@
           <a:p>
             <a:fld id="{B4C71EC6-210F-42DE-9C53-41977AD35B3D}" type="datetimeFigureOut">
               <a:rPr lang="ru-RU" smtClean="0"/>
-              <a:t>29.08.2018</a:t>
+              <a:t>09.11.2018</a:t>
             </a:fld>
             <a:endParaRPr lang="ru-RU"/>
           </a:p>
@@ -892,10 +900,9 @@
           </a:lstStyle>
           <a:p>
             <a:r>
-              <a:rPr lang="ru-RU" smtClean="0"/>
+              <a:rPr lang="ru-RU"/>
               <a:t>Образец заголовка</a:t>
             </a:r>
-            <a:endParaRPr lang="ru-RU"/>
           </a:p>
         </p:txBody>
       </p:sp>
@@ -1012,7 +1019,7 @@
           <a:p>
             <a:pPr lvl="0"/>
             <a:r>
-              <a:rPr lang="ru-RU" smtClean="0"/>
+              <a:rPr lang="ru-RU"/>
               <a:t>Образец текста</a:t>
             </a:r>
           </a:p>
@@ -1035,7 +1042,7 @@
           <a:p>
             <a:fld id="{B4C71EC6-210F-42DE-9C53-41977AD35B3D}" type="datetimeFigureOut">
               <a:rPr lang="ru-RU" smtClean="0"/>
-              <a:t>29.08.2018</a:t>
+              <a:t>09.11.2018</a:t>
             </a:fld>
             <a:endParaRPr lang="ru-RU"/>
           </a:p>
@@ -1124,10 +1131,9 @@
           <a:lstStyle/>
           <a:p>
             <a:r>
-              <a:rPr lang="ru-RU" smtClean="0"/>
+              <a:rPr lang="ru-RU"/>
               <a:t>Образец заголовка</a:t>
             </a:r>
-            <a:endParaRPr lang="ru-RU"/>
           </a:p>
         </p:txBody>
       </p:sp>
@@ -1181,38 +1187,37 @@
           <a:p>
             <a:pPr lvl="0"/>
             <a:r>
-              <a:rPr lang="ru-RU" smtClean="0"/>
+              <a:rPr lang="ru-RU"/>
               <a:t>Образец текста</a:t>
             </a:r>
           </a:p>
           <a:p>
             <a:pPr lvl="1"/>
             <a:r>
-              <a:rPr lang="ru-RU" smtClean="0"/>
+              <a:rPr lang="ru-RU"/>
               <a:t>Второй уровень</a:t>
             </a:r>
           </a:p>
           <a:p>
             <a:pPr lvl="2"/>
             <a:r>
-              <a:rPr lang="ru-RU" smtClean="0"/>
+              <a:rPr lang="ru-RU"/>
               <a:t>Третий уровень</a:t>
             </a:r>
           </a:p>
           <a:p>
             <a:pPr lvl="3"/>
             <a:r>
-              <a:rPr lang="ru-RU" smtClean="0"/>
+              <a:rPr lang="ru-RU"/>
               <a:t>Четвертый уровень</a:t>
             </a:r>
           </a:p>
           <a:p>
             <a:pPr lvl="4"/>
             <a:r>
-              <a:rPr lang="ru-RU" smtClean="0"/>
+              <a:rPr lang="ru-RU"/>
               <a:t>Пятый уровень</a:t>
             </a:r>
-            <a:endParaRPr lang="ru-RU"/>
           </a:p>
         </p:txBody>
       </p:sp>
@@ -1266,38 +1271,37 @@
           <a:p>
             <a:pPr lvl="0"/>
             <a:r>
-              <a:rPr lang="ru-RU" smtClean="0"/>
+              <a:rPr lang="ru-RU"/>
               <a:t>Образец текста</a:t>
             </a:r>
           </a:p>
           <a:p>
             <a:pPr lvl="1"/>
             <a:r>
-              <a:rPr lang="ru-RU" smtClean="0"/>
+              <a:rPr lang="ru-RU"/>
               <a:t>Второй уровень</a:t>
             </a:r>
           </a:p>
           <a:p>
             <a:pPr lvl="2"/>
             <a:r>
-              <a:rPr lang="ru-RU" smtClean="0"/>
+              <a:rPr lang="ru-RU"/>
               <a:t>Третий уровень</a:t>
             </a:r>
           </a:p>
           <a:p>
             <a:pPr lvl="3"/>
             <a:r>
-              <a:rPr lang="ru-RU" smtClean="0"/>
+              <a:rPr lang="ru-RU"/>
               <a:t>Четвертый уровень</a:t>
             </a:r>
           </a:p>
           <a:p>
             <a:pPr lvl="4"/>
             <a:r>
-              <a:rPr lang="ru-RU" smtClean="0"/>
+              <a:rPr lang="ru-RU"/>
               <a:t>Пятый уровень</a:t>
             </a:r>
-            <a:endParaRPr lang="ru-RU"/>
           </a:p>
         </p:txBody>
       </p:sp>
@@ -1318,7 +1322,7 @@
           <a:p>
             <a:fld id="{B4C71EC6-210F-42DE-9C53-41977AD35B3D}" type="datetimeFigureOut">
               <a:rPr lang="ru-RU" smtClean="0"/>
-              <a:t>29.08.2018</a:t>
+              <a:t>09.11.2018</a:t>
             </a:fld>
             <a:endParaRPr lang="ru-RU"/>
           </a:p>
@@ -1411,10 +1415,9 @@
           </a:lstStyle>
           <a:p>
             <a:r>
-              <a:rPr lang="ru-RU" smtClean="0"/>
+              <a:rPr lang="ru-RU"/>
               <a:t>Образец заголовка</a:t>
             </a:r>
-            <a:endParaRPr lang="ru-RU"/>
           </a:p>
         </p:txBody>
       </p:sp>
@@ -1477,7 +1480,7 @@
           <a:p>
             <a:pPr lvl="0"/>
             <a:r>
-              <a:rPr lang="ru-RU" smtClean="0"/>
+              <a:rPr lang="ru-RU"/>
               <a:t>Образец текста</a:t>
             </a:r>
           </a:p>
@@ -1533,38 +1536,37 @@
           <a:p>
             <a:pPr lvl="0"/>
             <a:r>
-              <a:rPr lang="ru-RU" smtClean="0"/>
+              <a:rPr lang="ru-RU"/>
               <a:t>Образец текста</a:t>
             </a:r>
           </a:p>
           <a:p>
             <a:pPr lvl="1"/>
             <a:r>
-              <a:rPr lang="ru-RU" smtClean="0"/>
+              <a:rPr lang="ru-RU"/>
               <a:t>Второй уровень</a:t>
             </a:r>
           </a:p>
           <a:p>
             <a:pPr lvl="2"/>
             <a:r>
-              <a:rPr lang="ru-RU" smtClean="0"/>
+              <a:rPr lang="ru-RU"/>
               <a:t>Третий уровень</a:t>
             </a:r>
           </a:p>
           <a:p>
             <a:pPr lvl="3"/>
             <a:r>
-              <a:rPr lang="ru-RU" smtClean="0"/>
+              <a:rPr lang="ru-RU"/>
               <a:t>Четвертый уровень</a:t>
             </a:r>
           </a:p>
           <a:p>
             <a:pPr lvl="4"/>
             <a:r>
-              <a:rPr lang="ru-RU" smtClean="0"/>
+              <a:rPr lang="ru-RU"/>
               <a:t>Пятый уровень</a:t>
             </a:r>
-            <a:endParaRPr lang="ru-RU"/>
           </a:p>
         </p:txBody>
       </p:sp>
@@ -1627,7 +1629,7 @@
           <a:p>
             <a:pPr lvl="0"/>
             <a:r>
-              <a:rPr lang="ru-RU" smtClean="0"/>
+              <a:rPr lang="ru-RU"/>
               <a:t>Образец текста</a:t>
             </a:r>
           </a:p>
@@ -1683,38 +1685,37 @@
           <a:p>
             <a:pPr lvl="0"/>
             <a:r>
-              <a:rPr lang="ru-RU" smtClean="0"/>
+              <a:rPr lang="ru-RU"/>
               <a:t>Образец текста</a:t>
             </a:r>
           </a:p>
           <a:p>
             <a:pPr lvl="1"/>
             <a:r>
-              <a:rPr lang="ru-RU" smtClean="0"/>
+              <a:rPr lang="ru-RU"/>
               <a:t>Второй уровень</a:t>
             </a:r>
           </a:p>
           <a:p>
             <a:pPr lvl="2"/>
             <a:r>
-              <a:rPr lang="ru-RU" smtClean="0"/>
+              <a:rPr lang="ru-RU"/>
               <a:t>Третий уровень</a:t>
             </a:r>
           </a:p>
           <a:p>
             <a:pPr lvl="3"/>
             <a:r>
-              <a:rPr lang="ru-RU" smtClean="0"/>
+              <a:rPr lang="ru-RU"/>
               <a:t>Четвертый уровень</a:t>
             </a:r>
           </a:p>
           <a:p>
             <a:pPr lvl="4"/>
             <a:r>
-              <a:rPr lang="ru-RU" smtClean="0"/>
+              <a:rPr lang="ru-RU"/>
               <a:t>Пятый уровень</a:t>
             </a:r>
-            <a:endParaRPr lang="ru-RU"/>
           </a:p>
         </p:txBody>
       </p:sp>
@@ -1735,7 +1736,7 @@
           <a:p>
             <a:fld id="{B4C71EC6-210F-42DE-9C53-41977AD35B3D}" type="datetimeFigureOut">
               <a:rPr lang="ru-RU" smtClean="0"/>
-              <a:t>29.08.2018</a:t>
+              <a:t>09.11.2018</a:t>
             </a:fld>
             <a:endParaRPr lang="ru-RU"/>
           </a:p>
@@ -1824,10 +1825,9 @@
           <a:lstStyle/>
           <a:p>
             <a:r>
-              <a:rPr lang="ru-RU" smtClean="0"/>
+              <a:rPr lang="ru-RU"/>
               <a:t>Образец заголовка</a:t>
             </a:r>
-            <a:endParaRPr lang="ru-RU"/>
           </a:p>
         </p:txBody>
       </p:sp>
@@ -1848,7 +1848,7 @@
           <a:p>
             <a:fld id="{B4C71EC6-210F-42DE-9C53-41977AD35B3D}" type="datetimeFigureOut">
               <a:rPr lang="ru-RU" smtClean="0"/>
-              <a:t>29.08.2018</a:t>
+              <a:t>09.11.2018</a:t>
             </a:fld>
             <a:endParaRPr lang="ru-RU"/>
           </a:p>
@@ -1938,7 +1938,7 @@
           <a:p>
             <a:fld id="{B4C71EC6-210F-42DE-9C53-41977AD35B3D}" type="datetimeFigureOut">
               <a:rPr lang="ru-RU" smtClean="0"/>
-              <a:t>29.08.2018</a:t>
+              <a:t>09.11.2018</a:t>
             </a:fld>
             <a:endParaRPr lang="ru-RU"/>
           </a:p>
@@ -2036,10 +2036,9 @@
           </a:lstStyle>
           <a:p>
             <a:r>
-              <a:rPr lang="ru-RU" smtClean="0"/>
+              <a:rPr lang="ru-RU"/>
               <a:t>Образец заголовка</a:t>
             </a:r>
-            <a:endParaRPr lang="ru-RU"/>
           </a:p>
         </p:txBody>
       </p:sp>
@@ -2093,38 +2092,37 @@
           <a:p>
             <a:pPr lvl="0"/>
             <a:r>
-              <a:rPr lang="ru-RU" smtClean="0"/>
+              <a:rPr lang="ru-RU"/>
               <a:t>Образец текста</a:t>
             </a:r>
           </a:p>
           <a:p>
             <a:pPr lvl="1"/>
             <a:r>
-              <a:rPr lang="ru-RU" smtClean="0"/>
+              <a:rPr lang="ru-RU"/>
               <a:t>Второй уровень</a:t>
             </a:r>
           </a:p>
           <a:p>
             <a:pPr lvl="2"/>
             <a:r>
-              <a:rPr lang="ru-RU" smtClean="0"/>
+              <a:rPr lang="ru-RU"/>
               <a:t>Третий уровень</a:t>
             </a:r>
           </a:p>
           <a:p>
             <a:pPr lvl="3"/>
             <a:r>
-              <a:rPr lang="ru-RU" smtClean="0"/>
+              <a:rPr lang="ru-RU"/>
               <a:t>Четвертый уровень</a:t>
             </a:r>
           </a:p>
           <a:p>
             <a:pPr lvl="4"/>
             <a:r>
-              <a:rPr lang="ru-RU" smtClean="0"/>
+              <a:rPr lang="ru-RU"/>
               <a:t>Пятый уровень</a:t>
             </a:r>
-            <a:endParaRPr lang="ru-RU"/>
           </a:p>
         </p:txBody>
       </p:sp>
@@ -2187,7 +2185,7 @@
           <a:p>
             <a:pPr lvl="0"/>
             <a:r>
-              <a:rPr lang="ru-RU" smtClean="0"/>
+              <a:rPr lang="ru-RU"/>
               <a:t>Образец текста</a:t>
             </a:r>
           </a:p>
@@ -2210,7 +2208,7 @@
           <a:p>
             <a:fld id="{B4C71EC6-210F-42DE-9C53-41977AD35B3D}" type="datetimeFigureOut">
               <a:rPr lang="ru-RU" smtClean="0"/>
-              <a:t>29.08.2018</a:t>
+              <a:t>09.11.2018</a:t>
             </a:fld>
             <a:endParaRPr lang="ru-RU"/>
           </a:p>
@@ -2308,10 +2306,9 @@
           </a:lstStyle>
           <a:p>
             <a:r>
-              <a:rPr lang="ru-RU" smtClean="0"/>
+              <a:rPr lang="ru-RU"/>
               <a:t>Образец заголовка</a:t>
             </a:r>
-            <a:endParaRPr lang="ru-RU"/>
           </a:p>
         </p:txBody>
       </p:sp>
@@ -2435,7 +2432,7 @@
           <a:p>
             <a:pPr lvl="0"/>
             <a:r>
-              <a:rPr lang="ru-RU" smtClean="0"/>
+              <a:rPr lang="ru-RU"/>
               <a:t>Образец текста</a:t>
             </a:r>
           </a:p>
@@ -2458,7 +2455,7 @@
           <a:p>
             <a:fld id="{B4C71EC6-210F-42DE-9C53-41977AD35B3D}" type="datetimeFigureOut">
               <a:rPr lang="ru-RU" smtClean="0"/>
-              <a:t>29.08.2018</a:t>
+              <a:t>09.11.2018</a:t>
             </a:fld>
             <a:endParaRPr lang="ru-RU"/>
           </a:p>
@@ -2562,10 +2559,9 @@
           <a:lstStyle/>
           <a:p>
             <a:r>
-              <a:rPr lang="ru-RU" smtClean="0"/>
+              <a:rPr lang="ru-RU"/>
               <a:t>Образец заголовка</a:t>
             </a:r>
-            <a:endParaRPr lang="ru-RU"/>
           </a:p>
         </p:txBody>
       </p:sp>
@@ -2596,38 +2592,37 @@
           <a:p>
             <a:pPr lvl="0"/>
             <a:r>
-              <a:rPr lang="ru-RU" smtClean="0"/>
+              <a:rPr lang="ru-RU"/>
               <a:t>Образец текста</a:t>
             </a:r>
           </a:p>
           <a:p>
             <a:pPr lvl="1"/>
             <a:r>
-              <a:rPr lang="ru-RU" smtClean="0"/>
+              <a:rPr lang="ru-RU"/>
               <a:t>Второй уровень</a:t>
             </a:r>
           </a:p>
           <a:p>
             <a:pPr lvl="2"/>
             <a:r>
-              <a:rPr lang="ru-RU" smtClean="0"/>
+              <a:rPr lang="ru-RU"/>
               <a:t>Третий уровень</a:t>
             </a:r>
           </a:p>
           <a:p>
             <a:pPr lvl="3"/>
             <a:r>
-              <a:rPr lang="ru-RU" smtClean="0"/>
+              <a:rPr lang="ru-RU"/>
               <a:t>Четвертый уровень</a:t>
             </a:r>
           </a:p>
           <a:p>
             <a:pPr lvl="4"/>
             <a:r>
-              <a:rPr lang="ru-RU" smtClean="0"/>
+              <a:rPr lang="ru-RU"/>
               <a:t>Пятый уровень</a:t>
             </a:r>
-            <a:endParaRPr lang="ru-RU"/>
           </a:p>
         </p:txBody>
       </p:sp>
@@ -2666,7 +2661,7 @@
           <a:p>
             <a:fld id="{B4C71EC6-210F-42DE-9C53-41977AD35B3D}" type="datetimeFigureOut">
               <a:rPr lang="ru-RU" smtClean="0"/>
-              <a:t>29.08.2018</a:t>
+              <a:t>09.11.2018</a:t>
             </a:fld>
             <a:endParaRPr lang="ru-RU"/>
           </a:p>
@@ -3907,7 +3902,7 @@
               <a:p>
                 <a:pPr algn="ctr"/>
                 <a:r>
-                  <a:rPr lang="en-US" sz="1200" dirty="0" smtClean="0">
+                  <a:rPr lang="en-US" sz="1200" dirty="0">
                     <a:latin typeface="Roboto" panose="02000000000000000000" pitchFamily="2" charset="0"/>
                     <a:ea typeface="Roboto" panose="02000000000000000000" pitchFamily="2" charset="0"/>
                     <a:cs typeface="Roboto" panose="02000000000000000000" pitchFamily="2" charset="0"/>
@@ -4310,7 +4305,7 @@
             <a:p>
               <a:pPr algn="ctr"/>
               <a:r>
-                <a:rPr lang="en-US" dirty="0" smtClean="0"/>
+                <a:rPr lang="en-US" dirty="0"/>
                 <a:t>+</a:t>
               </a:r>
               <a:endParaRPr lang="ru-RU" dirty="0"/>
@@ -5580,7 +5575,7 @@
               <a:lstStyle/>
               <a:p>
                 <a:r>
-                  <a:rPr lang="en-US" sz="1200" b="1" dirty="0" smtClean="0">
+                  <a:rPr lang="en-US" sz="1200" b="1" dirty="0">
                     <a:latin typeface="Roboto" panose="02000000000000000000" pitchFamily="2" charset="0"/>
                     <a:ea typeface="Roboto" panose="02000000000000000000" pitchFamily="2" charset="0"/>
                     <a:cs typeface="Roboto" panose="02000000000000000000" pitchFamily="2" charset="0"/>
@@ -5683,7 +5678,7 @@
             <a:p>
               <a:pPr algn="ctr"/>
               <a:r>
-                <a:rPr lang="en-US" dirty="0" smtClean="0"/>
+                <a:rPr lang="en-US" dirty="0"/>
                 <a:t>+</a:t>
               </a:r>
               <a:endParaRPr lang="ru-RU" dirty="0"/>
@@ -6939,7 +6934,7 @@
             <a:lstStyle/>
             <a:p>
               <a:r>
-                <a:rPr lang="en-US" sz="1200" b="1" dirty="0" smtClean="0">
+                <a:rPr lang="en-US" sz="1200" b="1" dirty="0">
                   <a:latin typeface="Roboto" panose="02000000000000000000" pitchFamily="2" charset="0"/>
                   <a:ea typeface="Roboto" panose="02000000000000000000" pitchFamily="2" charset="0"/>
                   <a:cs typeface="Roboto" panose="02000000000000000000" pitchFamily="2" charset="0"/>
@@ -6977,12 +6972,12 @@
             <a:lstStyle/>
             <a:p>
               <a:r>
-                <a:rPr lang="en-US" sz="1200" b="1" dirty="0" err="1" smtClean="0">
+                <a:rPr lang="en-US" sz="1200" b="1">
                   <a:latin typeface="Roboto" panose="02000000000000000000" pitchFamily="2" charset="0"/>
                   <a:ea typeface="Roboto" panose="02000000000000000000" pitchFamily="2" charset="0"/>
                   <a:cs typeface="Roboto" panose="02000000000000000000" pitchFamily="2" charset="0"/>
                 </a:rPr>
-                <a:t>Andor</a:t>
+                <a:t>Andora</a:t>
               </a:r>
               <a:endParaRPr lang="ru-RU" sz="1200" b="1" dirty="0">
                 <a:latin typeface="Roboto" panose="02000000000000000000" pitchFamily="2" charset="0"/>
@@ -7041,7 +7036,7 @@
             <a:p>
               <a:pPr algn="ctr"/>
               <a:r>
-                <a:rPr lang="en-US" dirty="0" smtClean="0"/>
+                <a:rPr lang="en-US" dirty="0"/>
                 <a:t>+</a:t>
               </a:r>
               <a:endParaRPr lang="ru-RU" dirty="0"/>
@@ -8241,7 +8236,7 @@
               <a:p>
                 <a:pPr algn="ctr"/>
                 <a:r>
-                  <a:rPr lang="en-US" dirty="0" smtClean="0"/>
+                  <a:rPr lang="en-US" dirty="0"/>
                   <a:t>+</a:t>
                 </a:r>
                 <a:endParaRPr lang="ru-RU" dirty="0"/>
@@ -8295,7 +8290,7 @@
             <a:lstStyle/>
             <a:p>
               <a:r>
-                <a:rPr lang="en-US" sz="1200" dirty="0" smtClean="0">
+                <a:rPr lang="en-US" sz="1200" dirty="0">
                   <a:solidFill>
                     <a:schemeClr val="tx1"/>
                   </a:solidFill>
@@ -8701,7 +8696,7 @@
             <a:lstStyle/>
             <a:p>
               <a:r>
-                <a:rPr lang="en-US" sz="1200" dirty="0" smtClean="0">
+                <a:rPr lang="en-US" sz="1200" dirty="0">
                   <a:latin typeface="Roboto" panose="02000000000000000000" pitchFamily="2" charset="0"/>
                   <a:ea typeface="Roboto" panose="02000000000000000000" pitchFamily="2" charset="0"/>
                   <a:cs typeface="Roboto" panose="02000000000000000000" pitchFamily="2" charset="0"/>
@@ -8739,7 +8734,7 @@
             <a:lstStyle/>
             <a:p>
               <a:r>
-                <a:rPr lang="en-US" sz="1000" dirty="0" smtClean="0">
+                <a:rPr lang="en-US" sz="1000" dirty="0">
                   <a:latin typeface="Roboto" panose="02000000000000000000" pitchFamily="2" charset="0"/>
                   <a:ea typeface="Roboto" panose="02000000000000000000" pitchFamily="2" charset="0"/>
                   <a:cs typeface="Roboto" panose="02000000000000000000" pitchFamily="2" charset="0"/>
@@ -8777,7 +8772,7 @@
             <a:lstStyle/>
             <a:p>
               <a:r>
-                <a:rPr lang="en-US" sz="1000" dirty="0" smtClean="0">
+                <a:rPr lang="en-US" sz="1000" dirty="0">
                   <a:latin typeface="Roboto" panose="02000000000000000000" pitchFamily="2" charset="0"/>
                   <a:ea typeface="Roboto" panose="02000000000000000000" pitchFamily="2" charset="0"/>
                   <a:cs typeface="Roboto" panose="02000000000000000000" pitchFamily="2" charset="0"/>
@@ -8815,7 +8810,7 @@
             <a:lstStyle/>
             <a:p>
               <a:r>
-                <a:rPr lang="en-US" sz="1000" dirty="0" smtClean="0">
+                <a:rPr lang="en-US" sz="1000" dirty="0">
                   <a:latin typeface="Roboto" panose="02000000000000000000" pitchFamily="2" charset="0"/>
                   <a:ea typeface="Roboto" panose="02000000000000000000" pitchFamily="2" charset="0"/>
                   <a:cs typeface="Roboto" panose="02000000000000000000" pitchFamily="2" charset="0"/>
@@ -8853,7 +8848,7 @@
             <a:lstStyle/>
             <a:p>
               <a:r>
-                <a:rPr lang="en-US" sz="1000" dirty="0" smtClean="0">
+                <a:rPr lang="en-US" sz="1000" dirty="0">
                   <a:latin typeface="Roboto" panose="02000000000000000000" pitchFamily="2" charset="0"/>
                   <a:ea typeface="Roboto" panose="02000000000000000000" pitchFamily="2" charset="0"/>
                   <a:cs typeface="Roboto" panose="02000000000000000000" pitchFamily="2" charset="0"/>
@@ -8995,7 +8990,7 @@
             <a:lstStyle/>
             <a:p>
               <a:r>
-                <a:rPr lang="en-US" sz="1000" dirty="0" smtClean="0">
+                <a:rPr lang="en-US" sz="1000" dirty="0">
                   <a:latin typeface="Roboto" panose="02000000000000000000" pitchFamily="2" charset="0"/>
                   <a:ea typeface="Roboto" panose="02000000000000000000" pitchFamily="2" charset="0"/>
                   <a:cs typeface="Roboto" panose="02000000000000000000" pitchFamily="2" charset="0"/>
@@ -9033,7 +9028,7 @@
             <a:lstStyle/>
             <a:p>
               <a:r>
-                <a:rPr lang="en-US" sz="1000" dirty="0" smtClean="0">
+                <a:rPr lang="en-US" sz="1000" dirty="0">
                   <a:latin typeface="Roboto" panose="02000000000000000000" pitchFamily="2" charset="0"/>
                   <a:ea typeface="Roboto" panose="02000000000000000000" pitchFamily="2" charset="0"/>
                   <a:cs typeface="Roboto" panose="02000000000000000000" pitchFamily="2" charset="0"/>
@@ -9093,7 +9088,7 @@
             <a:p>
               <a:pPr algn="ctr"/>
               <a:r>
-                <a:rPr lang="en-US" sz="1200" dirty="0" smtClean="0">
+                <a:rPr lang="en-US" sz="1200" dirty="0">
                   <a:latin typeface="Roboto" panose="02000000000000000000" pitchFamily="2" charset="0"/>
                   <a:ea typeface="Roboto" panose="02000000000000000000" pitchFamily="2" charset="0"/>
                   <a:cs typeface="Roboto" panose="02000000000000000000" pitchFamily="2" charset="0"/>
@@ -9138,7 +9133,7 @@
             <a:lstStyle/>
             <a:p>
               <a:r>
-                <a:rPr lang="en-US" sz="900" i="1" dirty="0" smtClean="0">
+                <a:rPr lang="en-US" sz="900" i="1" dirty="0">
                   <a:latin typeface="Roboto" panose="02000000000000000000" pitchFamily="2" charset="0"/>
                   <a:ea typeface="Roboto" panose="02000000000000000000" pitchFamily="2" charset="0"/>
                   <a:cs typeface="Roboto" panose="02000000000000000000" pitchFamily="2" charset="0"/>
@@ -9183,7 +9178,7 @@
             <a:lstStyle/>
             <a:p>
               <a:r>
-                <a:rPr lang="en-US" sz="900" i="1" dirty="0" smtClean="0">
+                <a:rPr lang="en-US" sz="900" i="1" dirty="0">
                   <a:latin typeface="Roboto" panose="02000000000000000000" pitchFamily="2" charset="0"/>
                   <a:ea typeface="Roboto" panose="02000000000000000000" pitchFamily="2" charset="0"/>
                   <a:cs typeface="Roboto" panose="02000000000000000000" pitchFamily="2" charset="0"/>
@@ -9228,7 +9223,7 @@
             <a:lstStyle/>
             <a:p>
               <a:r>
-                <a:rPr lang="en-US" sz="900" i="1" dirty="0" smtClean="0">
+                <a:rPr lang="en-US" sz="900" i="1" dirty="0">
                   <a:latin typeface="Roboto" panose="02000000000000000000" pitchFamily="2" charset="0"/>
                   <a:ea typeface="Roboto" panose="02000000000000000000" pitchFamily="2" charset="0"/>
                   <a:cs typeface="Roboto" panose="02000000000000000000" pitchFamily="2" charset="0"/>
@@ -9273,7 +9268,7 @@
             <a:lstStyle/>
             <a:p>
               <a:r>
-                <a:rPr lang="en-US" sz="900" i="1" dirty="0" smtClean="0">
+                <a:rPr lang="en-US" sz="900" i="1" dirty="0">
                   <a:latin typeface="Roboto" panose="02000000000000000000" pitchFamily="2" charset="0"/>
                   <a:ea typeface="Roboto" panose="02000000000000000000" pitchFamily="2" charset="0"/>
                   <a:cs typeface="Roboto" panose="02000000000000000000" pitchFamily="2" charset="0"/>
@@ -9679,7 +9674,7 @@
             <a:lstStyle/>
             <a:p>
               <a:r>
-                <a:rPr lang="en-US" sz="1200" dirty="0" smtClean="0">
+                <a:rPr lang="en-US" sz="1200" dirty="0">
                   <a:latin typeface="Roboto" panose="02000000000000000000" pitchFamily="2" charset="0"/>
                   <a:ea typeface="Roboto" panose="02000000000000000000" pitchFamily="2" charset="0"/>
                   <a:cs typeface="Roboto" panose="02000000000000000000" pitchFamily="2" charset="0"/>
@@ -9717,7 +9712,7 @@
             <a:lstStyle/>
             <a:p>
               <a:r>
-                <a:rPr lang="en-US" sz="1000" dirty="0" smtClean="0">
+                <a:rPr lang="en-US" sz="1000" dirty="0">
                   <a:latin typeface="Roboto" panose="02000000000000000000" pitchFamily="2" charset="0"/>
                   <a:ea typeface="Roboto" panose="02000000000000000000" pitchFamily="2" charset="0"/>
                   <a:cs typeface="Roboto" panose="02000000000000000000" pitchFamily="2" charset="0"/>
@@ -9755,7 +9750,7 @@
             <a:lstStyle/>
             <a:p>
               <a:r>
-                <a:rPr lang="en-US" sz="1000" dirty="0" smtClean="0">
+                <a:rPr lang="en-US" sz="1000" dirty="0">
                   <a:latin typeface="Roboto" panose="02000000000000000000" pitchFamily="2" charset="0"/>
                   <a:ea typeface="Roboto" panose="02000000000000000000" pitchFamily="2" charset="0"/>
                   <a:cs typeface="Roboto" panose="02000000000000000000" pitchFamily="2" charset="0"/>
@@ -9793,7 +9788,7 @@
             <a:lstStyle/>
             <a:p>
               <a:r>
-                <a:rPr lang="en-US" sz="1000" dirty="0" smtClean="0">
+                <a:rPr lang="en-US" sz="1000" dirty="0">
                   <a:latin typeface="Roboto" panose="02000000000000000000" pitchFamily="2" charset="0"/>
                   <a:ea typeface="Roboto" panose="02000000000000000000" pitchFamily="2" charset="0"/>
                   <a:cs typeface="Roboto" panose="02000000000000000000" pitchFamily="2" charset="0"/>
@@ -9831,7 +9826,7 @@
             <a:lstStyle/>
             <a:p>
               <a:r>
-                <a:rPr lang="en-US" sz="1000" dirty="0" smtClean="0">
+                <a:rPr lang="en-US" sz="1000" dirty="0">
                   <a:latin typeface="Roboto" panose="02000000000000000000" pitchFamily="2" charset="0"/>
                   <a:ea typeface="Roboto" panose="02000000000000000000" pitchFamily="2" charset="0"/>
                   <a:cs typeface="Roboto" panose="02000000000000000000" pitchFamily="2" charset="0"/>
@@ -9973,7 +9968,7 @@
             <a:lstStyle/>
             <a:p>
               <a:r>
-                <a:rPr lang="en-US" sz="1000" dirty="0" smtClean="0">
+                <a:rPr lang="en-US" sz="1000" dirty="0">
                   <a:latin typeface="Roboto" panose="02000000000000000000" pitchFamily="2" charset="0"/>
                   <a:ea typeface="Roboto" panose="02000000000000000000" pitchFamily="2" charset="0"/>
                   <a:cs typeface="Roboto" panose="02000000000000000000" pitchFamily="2" charset="0"/>
@@ -10011,7 +10006,7 @@
             <a:lstStyle/>
             <a:p>
               <a:r>
-                <a:rPr lang="en-US" sz="1000" dirty="0" smtClean="0">
+                <a:rPr lang="en-US" sz="1000" dirty="0">
                   <a:latin typeface="Roboto" panose="02000000000000000000" pitchFamily="2" charset="0"/>
                   <a:ea typeface="Roboto" panose="02000000000000000000" pitchFamily="2" charset="0"/>
                   <a:cs typeface="Roboto" panose="02000000000000000000" pitchFamily="2" charset="0"/>
@@ -10052,7 +10047,7 @@
             <a:lstStyle/>
             <a:p>
               <a:r>
-                <a:rPr lang="en-US" sz="900" i="1" dirty="0" smtClean="0">
+                <a:rPr lang="en-US" sz="900" i="1" dirty="0">
                   <a:latin typeface="Roboto" panose="02000000000000000000" pitchFamily="2" charset="0"/>
                   <a:ea typeface="Roboto" panose="02000000000000000000" pitchFamily="2" charset="0"/>
                   <a:cs typeface="Roboto" panose="02000000000000000000" pitchFamily="2" charset="0"/>
@@ -10093,7 +10088,7 @@
             <a:lstStyle/>
             <a:p>
               <a:r>
-                <a:rPr lang="en-US" sz="900" i="1" dirty="0" smtClean="0">
+                <a:rPr lang="en-US" sz="900" i="1" dirty="0">
                   <a:latin typeface="Roboto" panose="02000000000000000000" pitchFamily="2" charset="0"/>
                   <a:ea typeface="Roboto" panose="02000000000000000000" pitchFamily="2" charset="0"/>
                   <a:cs typeface="Roboto" panose="02000000000000000000" pitchFamily="2" charset="0"/>
@@ -10134,7 +10129,7 @@
             <a:lstStyle/>
             <a:p>
               <a:r>
-                <a:rPr lang="en-US" sz="900" i="1" dirty="0" smtClean="0">
+                <a:rPr lang="en-US" sz="900" i="1" dirty="0">
                   <a:latin typeface="Roboto" panose="02000000000000000000" pitchFamily="2" charset="0"/>
                   <a:ea typeface="Roboto" panose="02000000000000000000" pitchFamily="2" charset="0"/>
                   <a:cs typeface="Roboto" panose="02000000000000000000" pitchFamily="2" charset="0"/>
@@ -10175,7 +10170,7 @@
             <a:lstStyle/>
             <a:p>
               <a:r>
-                <a:rPr lang="en-US" sz="900" i="1" dirty="0" smtClean="0">
+                <a:rPr lang="en-US" sz="900" i="1" dirty="0">
                   <a:latin typeface="Roboto" panose="02000000000000000000" pitchFamily="2" charset="0"/>
                   <a:ea typeface="Roboto" panose="02000000000000000000" pitchFamily="2" charset="0"/>
                   <a:cs typeface="Roboto" panose="02000000000000000000" pitchFamily="2" charset="0"/>
